--- a/Система для магазина.pptx
+++ b/Система для магазина.pptx
@@ -18,6 +18,7 @@
     <p:sldId id="265" r:id="rId12"/>
     <p:sldId id="268" r:id="rId13"/>
     <p:sldId id="269" r:id="rId14"/>
+    <p:sldId id="271" r:id="rId15"/>
   </p:sldIdLst>
   <p:sldSz cx="12192000" cy="6858000"/>
   <p:notesSz cx="6858000" cy="9144000"/>
@@ -116,6 +117,11 @@
       </a:defRPr>
     </a:lvl9pPr>
   </p:defaultTextStyle>
+  <p:extLst>
+    <p:ext uri="{EFAFB233-063F-42B5-8137-9DF3F51BA10A}">
+      <p15:sldGuideLst xmlns:p15="http://schemas.microsoft.com/office/powerpoint/2012/main"/>
+    </p:ext>
+  </p:extLst>
 </p:presentation>
 </file>
 
@@ -266,7 +272,7 @@
           <a:p>
             <a:fld id="{0AC9CFB5-A6AA-4EFE-9628-79B271C7539A}" type="datetimeFigureOut">
               <a:rPr lang="ru-RU" smtClean="0"/>
-              <a:t>13.11.2020</a:t>
+              <a:t>14.11.2020</a:t>
             </a:fld>
             <a:endParaRPr lang="ru-RU"/>
           </a:p>
@@ -464,7 +470,7 @@
           <a:p>
             <a:fld id="{0AC9CFB5-A6AA-4EFE-9628-79B271C7539A}" type="datetimeFigureOut">
               <a:rPr lang="ru-RU" smtClean="0"/>
-              <a:t>13.11.2020</a:t>
+              <a:t>14.11.2020</a:t>
             </a:fld>
             <a:endParaRPr lang="ru-RU"/>
           </a:p>
@@ -672,7 +678,7 @@
           <a:p>
             <a:fld id="{0AC9CFB5-A6AA-4EFE-9628-79B271C7539A}" type="datetimeFigureOut">
               <a:rPr lang="ru-RU" smtClean="0"/>
-              <a:t>13.11.2020</a:t>
+              <a:t>14.11.2020</a:t>
             </a:fld>
             <a:endParaRPr lang="ru-RU"/>
           </a:p>
@@ -870,7 +876,7 @@
           <a:p>
             <a:fld id="{0AC9CFB5-A6AA-4EFE-9628-79B271C7539A}" type="datetimeFigureOut">
               <a:rPr lang="ru-RU" smtClean="0"/>
-              <a:t>13.11.2020</a:t>
+              <a:t>14.11.2020</a:t>
             </a:fld>
             <a:endParaRPr lang="ru-RU"/>
           </a:p>
@@ -1145,7 +1151,7 @@
           <a:p>
             <a:fld id="{0AC9CFB5-A6AA-4EFE-9628-79B271C7539A}" type="datetimeFigureOut">
               <a:rPr lang="ru-RU" smtClean="0"/>
-              <a:t>13.11.2020</a:t>
+              <a:t>14.11.2020</a:t>
             </a:fld>
             <a:endParaRPr lang="ru-RU"/>
           </a:p>
@@ -1410,7 +1416,7 @@
           <a:p>
             <a:fld id="{0AC9CFB5-A6AA-4EFE-9628-79B271C7539A}" type="datetimeFigureOut">
               <a:rPr lang="ru-RU" smtClean="0"/>
-              <a:t>13.11.2020</a:t>
+              <a:t>14.11.2020</a:t>
             </a:fld>
             <a:endParaRPr lang="ru-RU"/>
           </a:p>
@@ -1822,7 +1828,7 @@
           <a:p>
             <a:fld id="{0AC9CFB5-A6AA-4EFE-9628-79B271C7539A}" type="datetimeFigureOut">
               <a:rPr lang="ru-RU" smtClean="0"/>
-              <a:t>13.11.2020</a:t>
+              <a:t>14.11.2020</a:t>
             </a:fld>
             <a:endParaRPr lang="ru-RU"/>
           </a:p>
@@ -1963,7 +1969,7 @@
           <a:p>
             <a:fld id="{0AC9CFB5-A6AA-4EFE-9628-79B271C7539A}" type="datetimeFigureOut">
               <a:rPr lang="ru-RU" smtClean="0"/>
-              <a:t>13.11.2020</a:t>
+              <a:t>14.11.2020</a:t>
             </a:fld>
             <a:endParaRPr lang="ru-RU"/>
           </a:p>
@@ -2076,7 +2082,7 @@
           <a:p>
             <a:fld id="{0AC9CFB5-A6AA-4EFE-9628-79B271C7539A}" type="datetimeFigureOut">
               <a:rPr lang="ru-RU" smtClean="0"/>
-              <a:t>13.11.2020</a:t>
+              <a:t>14.11.2020</a:t>
             </a:fld>
             <a:endParaRPr lang="ru-RU"/>
           </a:p>
@@ -2387,7 +2393,7 @@
           <a:p>
             <a:fld id="{0AC9CFB5-A6AA-4EFE-9628-79B271C7539A}" type="datetimeFigureOut">
               <a:rPr lang="ru-RU" smtClean="0"/>
-              <a:t>13.11.2020</a:t>
+              <a:t>14.11.2020</a:t>
             </a:fld>
             <a:endParaRPr lang="ru-RU"/>
           </a:p>
@@ -2675,7 +2681,7 @@
           <a:p>
             <a:fld id="{0AC9CFB5-A6AA-4EFE-9628-79B271C7539A}" type="datetimeFigureOut">
               <a:rPr lang="ru-RU" smtClean="0"/>
-              <a:t>13.11.2020</a:t>
+              <a:t>14.11.2020</a:t>
             </a:fld>
             <a:endParaRPr lang="ru-RU"/>
           </a:p>
@@ -2916,7 +2922,7 @@
           <a:p>
             <a:fld id="{0AC9CFB5-A6AA-4EFE-9628-79B271C7539A}" type="datetimeFigureOut">
               <a:rPr lang="ru-RU" smtClean="0"/>
-              <a:t>13.11.2020</a:t>
+              <a:t>14.11.2020</a:t>
             </a:fld>
             <a:endParaRPr lang="ru-RU"/>
           </a:p>
@@ -4093,6 +4099,41 @@
           </a:extLst>
         </p:spPr>
       </p:pic>
+      <p:sp>
+        <p:nvSpPr>
+          <p:cNvPr id="11" name="TextBox 10">
+            <a:extLst>
+              <a:ext uri="{FF2B5EF4-FFF2-40B4-BE49-F238E27FC236}">
+                <a16:creationId xmlns:a16="http://schemas.microsoft.com/office/drawing/2014/main" id="{5D12758B-E61E-4B25-B65C-FEF47FAA4168}"/>
+              </a:ext>
+            </a:extLst>
+          </p:cNvPr>
+          <p:cNvSpPr txBox="1"/>
+          <p:nvPr/>
+        </p:nvSpPr>
+        <p:spPr>
+          <a:xfrm>
+            <a:off x="1519483" y="5141096"/>
+            <a:ext cx="6096000" cy="369332"/>
+          </a:xfrm>
+          <a:prstGeom prst="rect">
+            <a:avLst/>
+          </a:prstGeom>
+          <a:noFill/>
+        </p:spPr>
+        <p:txBody>
+          <a:bodyPr wrap="square">
+            <a:spAutoFit/>
+          </a:bodyPr>
+          <a:lstStyle/>
+          <a:p>
+            <a:r>
+              <a:rPr lang="ru-RU" dirty="0"/>
+              <a:t>https://github.com/ewe08/Store_system</a:t>
+            </a:r>
+          </a:p>
+        </p:txBody>
+      </p:sp>
     </p:spTree>
     <p:extLst>
       <p:ext uri="{BB962C8B-B14F-4D97-AF65-F5344CB8AC3E}">
@@ -4819,6 +4860,98 @@
     <p:extLst>
       <p:ext uri="{BB962C8B-B14F-4D97-AF65-F5344CB8AC3E}">
         <p14:creationId xmlns:p14="http://schemas.microsoft.com/office/powerpoint/2010/main" val="1196745394"/>
+      </p:ext>
+    </p:extLst>
+  </p:cSld>
+  <p:clrMapOvr>
+    <a:masterClrMapping/>
+  </p:clrMapOvr>
+</p:sld>
+</file>
+
+<file path=ppt/slides/slide14.xml><?xml version="1.0" encoding="utf-8"?>
+<p:sld xmlns:a="http://schemas.openxmlformats.org/drawingml/2006/main" xmlns:r="http://schemas.openxmlformats.org/officeDocument/2006/relationships" xmlns:p="http://schemas.openxmlformats.org/presentationml/2006/main">
+  <p:cSld>
+    <p:spTree>
+      <p:nvGrpSpPr>
+        <p:cNvPr id="1" name=""/>
+        <p:cNvGrpSpPr/>
+        <p:nvPr/>
+      </p:nvGrpSpPr>
+      <p:grpSpPr>
+        <a:xfrm>
+          <a:off x="0" y="0"/>
+          <a:ext cx="0" cy="0"/>
+          <a:chOff x="0" y="0"/>
+          <a:chExt cx="0" cy="0"/>
+        </a:xfrm>
+      </p:grpSpPr>
+      <p:sp>
+        <p:nvSpPr>
+          <p:cNvPr id="3" name="Объект 2">
+            <a:extLst>
+              <a:ext uri="{FF2B5EF4-FFF2-40B4-BE49-F238E27FC236}">
+                <a16:creationId xmlns:a16="http://schemas.microsoft.com/office/drawing/2014/main" id="{B2D40A14-77AC-4C3B-9DAB-DCC45BCFAB6E}"/>
+              </a:ext>
+            </a:extLst>
+          </p:cNvPr>
+          <p:cNvSpPr>
+            <a:spLocks noGrp="1"/>
+          </p:cNvSpPr>
+          <p:nvPr>
+            <p:ph idx="1"/>
+          </p:nvPr>
+        </p:nvSpPr>
+        <p:spPr>
+          <a:xfrm>
+            <a:off x="838200" y="1817387"/>
+            <a:ext cx="10515600" cy="4351338"/>
+          </a:xfrm>
+        </p:spPr>
+        <p:txBody>
+          <a:bodyPr/>
+          <a:lstStyle/>
+          <a:p>
+            <a:pPr marL="0" indent="0">
+              <a:buNone/>
+            </a:pPr>
+            <a:r>
+              <a:rPr lang="ru-RU" dirty="0"/>
+              <a:t>Система получилась рабочая, но до идеала ей еще далеко.</a:t>
+            </a:r>
+          </a:p>
+          <a:p>
+            <a:pPr marL="0" indent="0">
+              <a:buNone/>
+            </a:pPr>
+            <a:endParaRPr lang="ru-RU" dirty="0"/>
+          </a:p>
+          <a:p>
+            <a:pPr marL="0" indent="0">
+              <a:buNone/>
+            </a:pPr>
+            <a:r>
+              <a:rPr lang="ru-RU" dirty="0"/>
+              <a:t>Следует доработать множество функций и добавить еще больше новых. Например добавление особых действий, полный отчет о проданных товарах </a:t>
+            </a:r>
+            <a:r>
+              <a:rPr lang="ru-RU"/>
+              <a:t>и прочее.</a:t>
+            </a:r>
+            <a:endParaRPr lang="ru-RU" dirty="0"/>
+          </a:p>
+          <a:p>
+            <a:pPr marL="0" indent="0">
+              <a:buNone/>
+            </a:pPr>
+            <a:endParaRPr lang="ru-RU" dirty="0"/>
+          </a:p>
+        </p:txBody>
+      </p:sp>
+    </p:spTree>
+    <p:extLst>
+      <p:ext uri="{BB962C8B-B14F-4D97-AF65-F5344CB8AC3E}">
+        <p14:creationId xmlns:p14="http://schemas.microsoft.com/office/powerpoint/2010/main" val="3617789816"/>
       </p:ext>
     </p:extLst>
   </p:cSld>
